--- a/Data warehouse.pptx
+++ b/Data warehouse.pptx
@@ -285,7 +285,7 @@
           <a:p>
             <a:fld id="{BA934F94-EA55-4D34-A4B0-5EB30F6542EE}" type="datetimeFigureOut">
               <a:rPr lang="en-US" smtClean="0"/>
-              <a:t>7/20/2020</a:t>
+              <a:t>7/20/20</a:t>
             </a:fld>
             <a:endParaRPr lang="en-US"/>
           </a:p>
@@ -485,7 +485,7 @@
           <a:p>
             <a:fld id="{BA934F94-EA55-4D34-A4B0-5EB30F6542EE}" type="datetimeFigureOut">
               <a:rPr lang="en-US" smtClean="0"/>
-              <a:t>7/20/2020</a:t>
+              <a:t>7/20/20</a:t>
             </a:fld>
             <a:endParaRPr lang="en-US"/>
           </a:p>
@@ -695,7 +695,7 @@
           <a:p>
             <a:fld id="{BA934F94-EA55-4D34-A4B0-5EB30F6542EE}" type="datetimeFigureOut">
               <a:rPr lang="en-US" smtClean="0"/>
-              <a:t>7/20/2020</a:t>
+              <a:t>7/20/20</a:t>
             </a:fld>
             <a:endParaRPr lang="en-US"/>
           </a:p>
@@ -895,7 +895,7 @@
           <a:p>
             <a:fld id="{BA934F94-EA55-4D34-A4B0-5EB30F6542EE}" type="datetimeFigureOut">
               <a:rPr lang="en-US" smtClean="0"/>
-              <a:t>7/20/2020</a:t>
+              <a:t>7/20/20</a:t>
             </a:fld>
             <a:endParaRPr lang="en-US"/>
           </a:p>
@@ -1171,7 +1171,7 @@
           <a:p>
             <a:fld id="{BA934F94-EA55-4D34-A4B0-5EB30F6542EE}" type="datetimeFigureOut">
               <a:rPr lang="en-US" smtClean="0"/>
-              <a:t>7/20/2020</a:t>
+              <a:t>7/20/20</a:t>
             </a:fld>
             <a:endParaRPr lang="en-US"/>
           </a:p>
@@ -1439,7 +1439,7 @@
           <a:p>
             <a:fld id="{BA934F94-EA55-4D34-A4B0-5EB30F6542EE}" type="datetimeFigureOut">
               <a:rPr lang="en-US" smtClean="0"/>
-              <a:t>7/20/2020</a:t>
+              <a:t>7/20/20</a:t>
             </a:fld>
             <a:endParaRPr lang="en-US"/>
           </a:p>
@@ -1854,7 +1854,7 @@
           <a:p>
             <a:fld id="{BA934F94-EA55-4D34-A4B0-5EB30F6542EE}" type="datetimeFigureOut">
               <a:rPr lang="en-US" smtClean="0"/>
-              <a:t>7/20/2020</a:t>
+              <a:t>7/20/20</a:t>
             </a:fld>
             <a:endParaRPr lang="en-US"/>
           </a:p>
@@ -1996,7 +1996,7 @@
           <a:p>
             <a:fld id="{BA934F94-EA55-4D34-A4B0-5EB30F6542EE}" type="datetimeFigureOut">
               <a:rPr lang="en-US" smtClean="0"/>
-              <a:t>7/20/2020</a:t>
+              <a:t>7/20/20</a:t>
             </a:fld>
             <a:endParaRPr lang="en-US"/>
           </a:p>
@@ -2109,7 +2109,7 @@
           <a:p>
             <a:fld id="{BA934F94-EA55-4D34-A4B0-5EB30F6542EE}" type="datetimeFigureOut">
               <a:rPr lang="en-US" smtClean="0"/>
-              <a:t>7/20/2020</a:t>
+              <a:t>7/20/20</a:t>
             </a:fld>
             <a:endParaRPr lang="en-US"/>
           </a:p>
@@ -2422,7 +2422,7 @@
           <a:p>
             <a:fld id="{BA934F94-EA55-4D34-A4B0-5EB30F6542EE}" type="datetimeFigureOut">
               <a:rPr lang="en-US" smtClean="0"/>
-              <a:t>7/20/2020</a:t>
+              <a:t>7/20/20</a:t>
             </a:fld>
             <a:endParaRPr lang="en-US"/>
           </a:p>
@@ -2711,7 +2711,7 @@
           <a:p>
             <a:fld id="{BA934F94-EA55-4D34-A4B0-5EB30F6542EE}" type="datetimeFigureOut">
               <a:rPr lang="en-US" smtClean="0"/>
-              <a:t>7/20/2020</a:t>
+              <a:t>7/20/20</a:t>
             </a:fld>
             <a:endParaRPr lang="en-US"/>
           </a:p>
@@ -2954,7 +2954,7 @@
           <a:p>
             <a:fld id="{BA934F94-EA55-4D34-A4B0-5EB30F6542EE}" type="datetimeFigureOut">
               <a:rPr lang="en-US" smtClean="0"/>
-              <a:t>7/20/2020</a:t>
+              <a:t>7/20/20</a:t>
             </a:fld>
             <a:endParaRPr lang="en-US"/>
           </a:p>
@@ -3422,7 +3422,7 @@
           <a:p>
             <a:r>
               <a:rPr lang="en-US" dirty="0"/>
-              <a:t>Data set description for:</a:t>
+              <a:t>Dataset description for:</a:t>
             </a:r>
           </a:p>
           <a:p>
@@ -3576,7 +3576,13 @@
           <p:nvPr/>
         </p:nvPicPr>
         <p:blipFill>
-          <a:blip r:embed="rId2"/>
+          <a:blip r:embed="rId2" cstate="email">
+            <a:extLst>
+              <a:ext uri="{28A0092B-C50C-407E-A947-70E740481C1C}">
+                <a14:useLocalDpi xmlns:a14="http://schemas.microsoft.com/office/drawing/2010/main"/>
+              </a:ext>
+            </a:extLst>
+          </a:blip>
           <a:stretch>
             <a:fillRect/>
           </a:stretch>
@@ -4900,10 +4906,10 @@
           <p:nvPr/>
         </p:nvPicPr>
         <p:blipFill>
-          <a:blip r:embed="rId2">
+          <a:blip r:embed="rId2" cstate="email">
             <a:extLst>
               <a:ext uri="{28A0092B-C50C-407E-A947-70E740481C1C}">
-                <a14:useLocalDpi xmlns:a14="http://schemas.microsoft.com/office/drawing/2010/main" val="0"/>
+                <a14:useLocalDpi xmlns:a14="http://schemas.microsoft.com/office/drawing/2010/main"/>
               </a:ext>
             </a:extLst>
           </a:blip>
@@ -4936,10 +4942,10 @@
           <p:nvPr/>
         </p:nvPicPr>
         <p:blipFill>
-          <a:blip r:embed="rId3">
+          <a:blip r:embed="rId3" cstate="email">
             <a:extLst>
               <a:ext uri="{28A0092B-C50C-407E-A947-70E740481C1C}">
-                <a14:useLocalDpi xmlns:a14="http://schemas.microsoft.com/office/drawing/2010/main" val="0"/>
+                <a14:useLocalDpi xmlns:a14="http://schemas.microsoft.com/office/drawing/2010/main"/>
               </a:ext>
             </a:extLst>
           </a:blip>
@@ -4972,14 +4978,14 @@
         <p:spPr>
           <a:xfrm>
             <a:off x="127000" y="6063672"/>
-            <a:ext cx="6096000" cy="646331"/>
+            <a:ext cx="7553960" cy="369332"/>
           </a:xfrm>
           <a:prstGeom prst="rect">
             <a:avLst/>
           </a:prstGeom>
         </p:spPr>
         <p:txBody>
-          <a:bodyPr>
+          <a:bodyPr wrap="square">
             <a:spAutoFit/>
           </a:bodyPr>
           <a:lstStyle/>
@@ -5053,7 +5059,15 @@
           <a:p>
             <a:r>
               <a:rPr lang="en-US" dirty="0"/>
-              <a:t>Benchmark</a:t>
+              <a:t>Potential benchmarks for French </a:t>
+            </a:r>
+            <a:r>
+              <a:rPr lang="en-US" dirty="0" err="1"/>
+              <a:t>Covid</a:t>
+            </a:r>
+            <a:r>
+              <a:rPr lang="en-US" dirty="0"/>
+              <a:t> data</a:t>
             </a:r>
           </a:p>
         </p:txBody>
@@ -5363,7 +5377,7 @@
         <p:spPr>
           <a:xfrm>
             <a:off x="838200" y="1330036"/>
-            <a:ext cx="10515600" cy="4846927"/>
+            <a:ext cx="11138722" cy="4846927"/>
           </a:xfrm>
         </p:spPr>
         <p:txBody>
@@ -5373,13 +5387,13 @@
           <a:lstStyle/>
           <a:p>
             <a:r>
-              <a:rPr lang="en-US" sz="1800" dirty="0"/>
+              <a:rPr lang="en-US" sz="1600" dirty="0"/>
               <a:t>https://github.com/ishaberry/Covid19Canada/blob/master</a:t>
             </a:r>
           </a:p>
           <a:p>
             <a:r>
-              <a:rPr lang="en-US" sz="1800" dirty="0"/>
+              <a:rPr lang="en-US" sz="1600" dirty="0"/>
               <a:t>https://docs.google.com/spreadsheets/d/1D6okqtBS3S2NRC7GFVHzaZ67DuTw7LX49-fqSLwJyeo/edit#gid=942958991</a:t>
             </a:r>
           </a:p>
@@ -5400,7 +5414,13 @@
           <p:nvPr/>
         </p:nvPicPr>
         <p:blipFill>
-          <a:blip r:embed="rId2"/>
+          <a:blip r:embed="rId2" cstate="email">
+            <a:extLst>
+              <a:ext uri="{28A0092B-C50C-407E-A947-70E740481C1C}">
+                <a14:useLocalDpi xmlns:a14="http://schemas.microsoft.com/office/drawing/2010/main"/>
+              </a:ext>
+            </a:extLst>
+          </a:blip>
           <a:stretch>
             <a:fillRect/>
           </a:stretch>
@@ -5430,7 +5450,13 @@
           <p:nvPr/>
         </p:nvPicPr>
         <p:blipFill>
-          <a:blip r:embed="rId3"/>
+          <a:blip r:embed="rId3" cstate="email">
+            <a:extLst>
+              <a:ext uri="{28A0092B-C50C-407E-A947-70E740481C1C}">
+                <a14:useLocalDpi xmlns:a14="http://schemas.microsoft.com/office/drawing/2010/main"/>
+              </a:ext>
+            </a:extLst>
+          </a:blip>
           <a:stretch>
             <a:fillRect/>
           </a:stretch>
@@ -5526,7 +5552,7 @@
           <a:p>
             <a:r>
               <a:rPr lang="en-US" dirty="0"/>
-              <a:t>Number of row:</a:t>
+              <a:t>Number of rows:</a:t>
             </a:r>
           </a:p>
           <a:p>
@@ -7096,7 +7122,13 @@
           <p:nvPr/>
         </p:nvPicPr>
         <p:blipFill>
-          <a:blip r:embed="rId2"/>
+          <a:blip r:embed="rId2" cstate="email">
+            <a:extLst>
+              <a:ext uri="{28A0092B-C50C-407E-A947-70E740481C1C}">
+                <a14:useLocalDpi xmlns:a14="http://schemas.microsoft.com/office/drawing/2010/main"/>
+              </a:ext>
+            </a:extLst>
+          </a:blip>
           <a:stretch>
             <a:fillRect/>
           </a:stretch>
@@ -7126,7 +7158,13 @@
           <p:nvPr/>
         </p:nvPicPr>
         <p:blipFill>
-          <a:blip r:embed="rId3"/>
+          <a:blip r:embed="rId3" cstate="email">
+            <a:extLst>
+              <a:ext uri="{28A0092B-C50C-407E-A947-70E740481C1C}">
+                <a14:useLocalDpi xmlns:a14="http://schemas.microsoft.com/office/drawing/2010/main"/>
+              </a:ext>
+            </a:extLst>
+          </a:blip>
           <a:stretch>
             <a:fillRect/>
           </a:stretch>
@@ -7156,7 +7194,13 @@
           <p:nvPr/>
         </p:nvPicPr>
         <p:blipFill>
-          <a:blip r:embed="rId4"/>
+          <a:blip r:embed="rId4" cstate="email">
+            <a:extLst>
+              <a:ext uri="{28A0092B-C50C-407E-A947-70E740481C1C}">
+                <a14:useLocalDpi xmlns:a14="http://schemas.microsoft.com/office/drawing/2010/main"/>
+              </a:ext>
+            </a:extLst>
+          </a:blip>
           <a:stretch>
             <a:fillRect/>
           </a:stretch>
@@ -7186,7 +7230,13 @@
           <p:nvPr/>
         </p:nvPicPr>
         <p:blipFill>
-          <a:blip r:embed="rId5"/>
+          <a:blip r:embed="rId5" cstate="email">
+            <a:extLst>
+              <a:ext uri="{28A0092B-C50C-407E-A947-70E740481C1C}">
+                <a14:useLocalDpi xmlns:a14="http://schemas.microsoft.com/office/drawing/2010/main"/>
+              </a:ext>
+            </a:extLst>
+          </a:blip>
           <a:stretch>
             <a:fillRect/>
           </a:stretch>
@@ -7324,7 +7374,7 @@
           <a:p>
             <a:r>
               <a:rPr lang="en-US" dirty="0"/>
-              <a:t>Number of row:</a:t>
+              <a:t>Number of rows:</a:t>
             </a:r>
           </a:p>
           <a:p>
@@ -8042,117 +8092,6 @@
           </a:p>
         </p:txBody>
       </p:sp>
-      <p:pic>
-        <p:nvPicPr>
-          <p:cNvPr id="5" name="Image 4">
-            <a:extLst>
-              <a:ext uri="{FF2B5EF4-FFF2-40B4-BE49-F238E27FC236}">
-                <a16:creationId xmlns:a16="http://schemas.microsoft.com/office/drawing/2014/main" id="{2DCAF3CD-C096-4EA6-8FCD-F8BEC5C7F07A}"/>
-              </a:ext>
-            </a:extLst>
-          </p:cNvPr>
-          <p:cNvPicPr>
-            <a:picLocks noChangeAspect="1"/>
-          </p:cNvPicPr>
-          <p:nvPr/>
-        </p:nvPicPr>
-        <p:blipFill>
-          <a:blip r:embed="rId2"/>
-          <a:stretch>
-            <a:fillRect/>
-          </a:stretch>
-        </p:blipFill>
-        <p:spPr>
-          <a:xfrm>
-            <a:off x="124689" y="5315285"/>
-            <a:ext cx="4188693" cy="1377877"/>
-          </a:xfrm>
-          <a:prstGeom prst="rect">
-            <a:avLst/>
-          </a:prstGeom>
-        </p:spPr>
-      </p:pic>
-      <p:sp>
-        <p:nvSpPr>
-          <p:cNvPr id="7" name="Flèche : bas 6">
-            <a:extLst>
-              <a:ext uri="{FF2B5EF4-FFF2-40B4-BE49-F238E27FC236}">
-                <a16:creationId xmlns:a16="http://schemas.microsoft.com/office/drawing/2014/main" id="{B8624E42-D7C4-493D-819B-E17123081469}"/>
-              </a:ext>
-            </a:extLst>
-          </p:cNvPr>
-          <p:cNvSpPr/>
-          <p:nvPr/>
-        </p:nvSpPr>
-        <p:spPr>
-          <a:xfrm>
-            <a:off x="2207491" y="4020126"/>
-            <a:ext cx="416791" cy="598056"/>
-          </a:xfrm>
-          <a:prstGeom prst="downArrow">
-            <a:avLst/>
-          </a:prstGeom>
-        </p:spPr>
-        <p:style>
-          <a:lnRef idx="2">
-            <a:schemeClr val="accent1">
-              <a:shade val="50000"/>
-            </a:schemeClr>
-          </a:lnRef>
-          <a:fillRef idx="1">
-            <a:schemeClr val="accent1"/>
-          </a:fillRef>
-          <a:effectRef idx="0">
-            <a:schemeClr val="accent1"/>
-          </a:effectRef>
-          <a:fontRef idx="minor">
-            <a:schemeClr val="lt1"/>
-          </a:fontRef>
-        </p:style>
-        <p:txBody>
-          <a:bodyPr rtlCol="0" anchor="ctr"/>
-          <a:lstStyle/>
-          <a:p>
-            <a:pPr algn="ctr"/>
-            <a:endParaRPr lang="en-US"/>
-          </a:p>
-        </p:txBody>
-      </p:sp>
-      <p:sp>
-        <p:nvSpPr>
-          <p:cNvPr id="8" name="ZoneTexte 7">
-            <a:extLst>
-              <a:ext uri="{FF2B5EF4-FFF2-40B4-BE49-F238E27FC236}">
-                <a16:creationId xmlns:a16="http://schemas.microsoft.com/office/drawing/2014/main" id="{8FED910E-1917-46F4-965C-3C6F2664AB45}"/>
-              </a:ext>
-            </a:extLst>
-          </p:cNvPr>
-          <p:cNvSpPr txBox="1"/>
-          <p:nvPr/>
-        </p:nvSpPr>
-        <p:spPr>
-          <a:xfrm>
-            <a:off x="124689" y="4643568"/>
-            <a:ext cx="4433455" cy="646331"/>
-          </a:xfrm>
-          <a:prstGeom prst="rect">
-            <a:avLst/>
-          </a:prstGeom>
-          <a:noFill/>
-        </p:spPr>
-        <p:txBody>
-          <a:bodyPr wrap="square" rtlCol="0">
-            <a:spAutoFit/>
-          </a:bodyPr>
-          <a:lstStyle/>
-          <a:p>
-            <a:r>
-              <a:rPr lang="en-US" dirty="0"/>
-              <a:t>Department can be enriched by joining this data: department, region</a:t>
-            </a:r>
-          </a:p>
-        </p:txBody>
-      </p:sp>
       <p:cxnSp>
         <p:nvCxnSpPr>
           <p:cNvPr id="25" name="Connecteur droit 24">
@@ -8304,7 +8243,7 @@
           <p:nvPr>
             <p:extLst>
               <p:ext uri="{D42A27DB-BD31-4B8C-83A1-F6EECF244321}">
-                <p14:modId xmlns:p14="http://schemas.microsoft.com/office/powerpoint/2010/main" val="582616918"/>
+                <p14:modId xmlns:p14="http://schemas.microsoft.com/office/powerpoint/2010/main" val="1899491534"/>
               </p:ext>
             </p:extLst>
           </p:nvPr>
@@ -8472,7 +8411,7 @@
                       </a:pPr>
                       <a:r>
                         <a:rPr lang="en-US" dirty="0"/>
-                        <a:t>0 all age; A&lt;15;B 15-44;C 45-64;D 65-74; E&gt;75</a:t>
+                        <a:t>0 all age; A &lt;15;B 15-44;C 45-64;D 65-74; E&gt;75</a:t>
                       </a:r>
                     </a:p>
                   </a:txBody>
